--- a/talks/2010/2010workshop/incaReporters.pptx
+++ b/talks/2010/2010workshop/incaReporters.pptx
@@ -5,10 +5,10 @@
     <p:sldMasterId id="2147483651" r:id="rId1"/>
   </p:sldMasterIdLst>
   <p:notesMasterIdLst>
-    <p:notesMasterId r:id="rId43"/>
+    <p:notesMasterId r:id="rId42"/>
   </p:notesMasterIdLst>
   <p:handoutMasterIdLst>
-    <p:handoutMasterId r:id="rId44"/>
+    <p:handoutMasterId r:id="rId43"/>
   </p:handoutMasterIdLst>
   <p:sldIdLst>
     <p:sldId id="256" r:id="rId2"/>
@@ -51,7 +51,6 @@
     <p:sldId id="306" r:id="rId39"/>
     <p:sldId id="314" r:id="rId40"/>
     <p:sldId id="310" r:id="rId41"/>
-    <p:sldId id="311" r:id="rId42"/>
   </p:sldIdLst>
   <p:sldSz cx="9144000" cy="6858000" type="screen4x3"/>
   <p:notesSz cx="6858000" cy="9144000"/>
@@ -500,7 +499,7 @@
         <p:nvSpPr>
           <p:cNvPr id="6148" name="Rectangle 4"/>
           <p:cNvSpPr>
-            <a:spLocks noChangeArrowheads="1" noTextEdit="1"/>
+            <a:spLocks noGrp="1" noRot="1" noChangeAspect="1" noChangeArrowheads="1" noTextEdit="1"/>
           </p:cNvSpPr>
           <p:nvPr>
             <p:ph type="sldImg" idx="2"/>
@@ -860,7 +859,7 @@
         <p:nvSpPr>
           <p:cNvPr id="14338" name="Rectangle 2"/>
           <p:cNvSpPr>
-            <a:spLocks noChangeArrowheads="1" noTextEdit="1"/>
+            <a:spLocks noGrp="1" noRot="1" noChangeAspect="1" noChangeArrowheads="1" noTextEdit="1"/>
           </p:cNvSpPr>
           <p:nvPr>
             <p:ph type="sldImg"/>
@@ -945,7 +944,7 @@
         <p:nvSpPr>
           <p:cNvPr id="203778" name="Rectangle 2"/>
           <p:cNvSpPr>
-            <a:spLocks noChangeArrowheads="1" noTextEdit="1"/>
+            <a:spLocks noGrp="1" noRot="1" noChangeAspect="1" noChangeArrowheads="1" noTextEdit="1"/>
           </p:cNvSpPr>
           <p:nvPr>
             <p:ph type="sldImg"/>
@@ -1029,7 +1028,7 @@
         <p:nvSpPr>
           <p:cNvPr id="284674" name="Rectangle 2"/>
           <p:cNvSpPr>
-            <a:spLocks noChangeArrowheads="1"/>
+            <a:spLocks noGrp="1" noRot="1" noChangeAspect="1" noChangeArrowheads="1"/>
           </p:cNvSpPr>
           <p:nvPr>
             <p:ph type="sldImg"/>
@@ -1060,7 +1059,7 @@
         <p:nvSpPr>
           <p:cNvPr id="284675" name="Rectangle 3"/>
           <p:cNvSpPr>
-            <a:spLocks noChangeArrowheads="1"/>
+            <a:spLocks noGrp="1" noChangeArrowheads="1"/>
           </p:cNvSpPr>
           <p:nvPr>
             <p:ph type="body" idx="1"/>
@@ -1153,7 +1152,7 @@
         <p:nvSpPr>
           <p:cNvPr id="215042" name="Rectangle 2"/>
           <p:cNvSpPr>
-            <a:spLocks noChangeArrowheads="1" noTextEdit="1"/>
+            <a:spLocks noGrp="1" noRot="1" noChangeAspect="1" noChangeArrowheads="1" noTextEdit="1"/>
           </p:cNvSpPr>
           <p:nvPr>
             <p:ph type="sldImg"/>
@@ -1178,7 +1177,7 @@
           <a:bodyPr/>
           <a:lstStyle/>
           <a:p>
-            <a:endParaRPr lang="en-US"/>
+            <a:endParaRPr lang="en-US" dirty="0"/>
           </a:p>
         </p:txBody>
       </p:sp>
@@ -1237,7 +1236,7 @@
         <p:nvSpPr>
           <p:cNvPr id="264194" name="Rectangle 2"/>
           <p:cNvSpPr>
-            <a:spLocks noChangeArrowheads="1"/>
+            <a:spLocks noGrp="1" noRot="1" noChangeAspect="1" noChangeArrowheads="1"/>
           </p:cNvSpPr>
           <p:nvPr>
             <p:ph type="sldImg"/>
@@ -1268,7 +1267,7 @@
         <p:nvSpPr>
           <p:cNvPr id="264195" name="Rectangle 3"/>
           <p:cNvSpPr>
-            <a:spLocks noChangeArrowheads="1"/>
+            <a:spLocks noGrp="1" noChangeArrowheads="1"/>
           </p:cNvSpPr>
           <p:nvPr>
             <p:ph type="body" idx="1"/>
@@ -1361,7 +1360,7 @@
         <p:nvSpPr>
           <p:cNvPr id="216066" name="Rectangle 2"/>
           <p:cNvSpPr>
-            <a:spLocks noChangeArrowheads="1" noTextEdit="1"/>
+            <a:spLocks noGrp="1" noRot="1" noChangeAspect="1" noChangeArrowheads="1" noTextEdit="1"/>
           </p:cNvSpPr>
           <p:nvPr>
             <p:ph type="sldImg"/>
@@ -1445,7 +1444,7 @@
         <p:nvSpPr>
           <p:cNvPr id="286722" name="Rectangle 1026"/>
           <p:cNvSpPr>
-            <a:spLocks noChangeArrowheads="1"/>
+            <a:spLocks noGrp="1" noRot="1" noChangeAspect="1" noChangeArrowheads="1"/>
           </p:cNvSpPr>
           <p:nvPr>
             <p:ph type="sldImg"/>
@@ -1476,7 +1475,7 @@
         <p:nvSpPr>
           <p:cNvPr id="286723" name="Rectangle 1027"/>
           <p:cNvSpPr>
-            <a:spLocks noChangeArrowheads="1"/>
+            <a:spLocks noGrp="1" noChangeArrowheads="1"/>
           </p:cNvSpPr>
           <p:nvPr>
             <p:ph type="body" idx="1"/>
@@ -1572,7 +1571,7 @@
         <p:nvSpPr>
           <p:cNvPr id="217090" name="Rectangle 2"/>
           <p:cNvSpPr>
-            <a:spLocks noChangeArrowheads="1" noTextEdit="1"/>
+            <a:spLocks noGrp="1" noRot="1" noChangeAspect="1" noChangeArrowheads="1" noTextEdit="1"/>
           </p:cNvSpPr>
           <p:nvPr>
             <p:ph type="sldImg"/>
@@ -1656,7 +1655,7 @@
         <p:nvSpPr>
           <p:cNvPr id="266242" name="Rectangle 2"/>
           <p:cNvSpPr>
-            <a:spLocks noChangeArrowheads="1"/>
+            <a:spLocks noGrp="1" noRot="1" noChangeAspect="1" noChangeArrowheads="1"/>
           </p:cNvSpPr>
           <p:nvPr>
             <p:ph type="sldImg"/>
@@ -1687,7 +1686,7 @@
         <p:nvSpPr>
           <p:cNvPr id="266243" name="Rectangle 3"/>
           <p:cNvSpPr>
-            <a:spLocks noChangeArrowheads="1"/>
+            <a:spLocks noGrp="1" noChangeArrowheads="1"/>
           </p:cNvSpPr>
           <p:nvPr>
             <p:ph type="body" idx="1"/>
@@ -1780,7 +1779,7 @@
         <p:nvSpPr>
           <p:cNvPr id="218114" name="Rectangle 2"/>
           <p:cNvSpPr>
-            <a:spLocks noChangeArrowheads="1" noTextEdit="1"/>
+            <a:spLocks noGrp="1" noRot="1" noChangeAspect="1" noChangeArrowheads="1" noTextEdit="1"/>
           </p:cNvSpPr>
           <p:nvPr>
             <p:ph type="sldImg"/>
@@ -1864,7 +1863,7 @@
         <p:nvSpPr>
           <p:cNvPr id="290818" name="Rectangle 2"/>
           <p:cNvSpPr>
-            <a:spLocks noChangeArrowheads="1"/>
+            <a:spLocks noGrp="1" noRot="1" noChangeAspect="1" noChangeArrowheads="1"/>
           </p:cNvSpPr>
           <p:nvPr>
             <p:ph type="sldImg"/>
@@ -1895,7 +1894,7 @@
         <p:nvSpPr>
           <p:cNvPr id="290819" name="Rectangle 3"/>
           <p:cNvSpPr>
-            <a:spLocks noChangeArrowheads="1"/>
+            <a:spLocks noGrp="1" noChangeArrowheads="1"/>
           </p:cNvSpPr>
           <p:nvPr>
             <p:ph type="body" idx="1"/>
@@ -1988,7 +1987,7 @@
         <p:nvSpPr>
           <p:cNvPr id="212994" name="Rectangle 2"/>
           <p:cNvSpPr>
-            <a:spLocks noChangeArrowheads="1" noTextEdit="1"/>
+            <a:spLocks noGrp="1" noRot="1" noChangeAspect="1" noChangeArrowheads="1" noTextEdit="1"/>
           </p:cNvSpPr>
           <p:nvPr>
             <p:ph type="sldImg"/>
@@ -2072,7 +2071,7 @@
         <p:nvSpPr>
           <p:cNvPr id="219138" name="Rectangle 2"/>
           <p:cNvSpPr>
-            <a:spLocks noChangeArrowheads="1" noTextEdit="1"/>
+            <a:spLocks noGrp="1" noRot="1" noChangeAspect="1" noChangeArrowheads="1" noTextEdit="1"/>
           </p:cNvSpPr>
           <p:nvPr>
             <p:ph type="sldImg"/>
@@ -2156,7 +2155,7 @@
         <p:nvSpPr>
           <p:cNvPr id="268290" name="Rectangle 2"/>
           <p:cNvSpPr>
-            <a:spLocks noChangeArrowheads="1"/>
+            <a:spLocks noGrp="1" noRot="1" noChangeAspect="1" noChangeArrowheads="1"/>
           </p:cNvSpPr>
           <p:nvPr>
             <p:ph type="sldImg"/>
@@ -2187,7 +2186,7 @@
         <p:nvSpPr>
           <p:cNvPr id="268291" name="Rectangle 3"/>
           <p:cNvSpPr>
-            <a:spLocks noChangeArrowheads="1"/>
+            <a:spLocks noGrp="1" noChangeArrowheads="1"/>
           </p:cNvSpPr>
           <p:nvPr>
             <p:ph type="body" idx="1"/>
@@ -2280,7 +2279,7 @@
         <p:nvSpPr>
           <p:cNvPr id="220162" name="Rectangle 2"/>
           <p:cNvSpPr>
-            <a:spLocks noChangeArrowheads="1" noTextEdit="1"/>
+            <a:spLocks noGrp="1" noRot="1" noChangeAspect="1" noChangeArrowheads="1" noTextEdit="1"/>
           </p:cNvSpPr>
           <p:nvPr>
             <p:ph type="sldImg"/>
@@ -2364,7 +2363,7 @@
         <p:nvSpPr>
           <p:cNvPr id="222210" name="Rectangle 2"/>
           <p:cNvSpPr>
-            <a:spLocks noChangeArrowheads="1" noTextEdit="1"/>
+            <a:spLocks noGrp="1" noRot="1" noChangeAspect="1" noChangeArrowheads="1" noTextEdit="1"/>
           </p:cNvSpPr>
           <p:nvPr>
             <p:ph type="sldImg"/>
@@ -2448,7 +2447,7 @@
         <p:nvSpPr>
           <p:cNvPr id="292866" name="Rectangle 2"/>
           <p:cNvSpPr>
-            <a:spLocks noChangeArrowheads="1"/>
+            <a:spLocks noGrp="1" noRot="1" noChangeAspect="1" noChangeArrowheads="1"/>
           </p:cNvSpPr>
           <p:nvPr>
             <p:ph type="sldImg"/>
@@ -2479,7 +2478,7 @@
         <p:nvSpPr>
           <p:cNvPr id="292867" name="Rectangle 3"/>
           <p:cNvSpPr>
-            <a:spLocks noChangeArrowheads="1"/>
+            <a:spLocks noGrp="1" noChangeArrowheads="1"/>
           </p:cNvSpPr>
           <p:nvPr>
             <p:ph type="body" idx="1"/>
@@ -2572,7 +2571,7 @@
         <p:nvSpPr>
           <p:cNvPr id="229378" name="Rectangle 2"/>
           <p:cNvSpPr>
-            <a:spLocks noChangeArrowheads="1" noTextEdit="1"/>
+            <a:spLocks noGrp="1" noRot="1" noChangeAspect="1" noChangeArrowheads="1" noTextEdit="1"/>
           </p:cNvSpPr>
           <p:nvPr>
             <p:ph type="sldImg"/>
@@ -2656,7 +2655,7 @@
         <p:nvSpPr>
           <p:cNvPr id="272386" name="Rectangle 2"/>
           <p:cNvSpPr>
-            <a:spLocks noChangeArrowheads="1"/>
+            <a:spLocks noGrp="1" noRot="1" noChangeAspect="1" noChangeArrowheads="1"/>
           </p:cNvSpPr>
           <p:nvPr>
             <p:ph type="sldImg"/>
@@ -2687,7 +2686,7 @@
         <p:nvSpPr>
           <p:cNvPr id="272387" name="Rectangle 3"/>
           <p:cNvSpPr>
-            <a:spLocks noChangeArrowheads="1"/>
+            <a:spLocks noGrp="1" noChangeArrowheads="1"/>
           </p:cNvSpPr>
           <p:nvPr>
             <p:ph type="body" idx="1"/>
@@ -2780,7 +2779,7 @@
         <p:nvSpPr>
           <p:cNvPr id="234498" name="Rectangle 2"/>
           <p:cNvSpPr>
-            <a:spLocks noChangeArrowheads="1"/>
+            <a:spLocks noGrp="1" noRot="1" noChangeAspect="1" noChangeArrowheads="1"/>
           </p:cNvSpPr>
           <p:nvPr>
             <p:ph type="sldImg"/>
@@ -2811,7 +2810,7 @@
         <p:nvSpPr>
           <p:cNvPr id="234499" name="Rectangle 3"/>
           <p:cNvSpPr>
-            <a:spLocks noChangeArrowheads="1"/>
+            <a:spLocks noGrp="1" noChangeArrowheads="1"/>
           </p:cNvSpPr>
           <p:nvPr>
             <p:ph type="body" idx="1"/>
@@ -2904,7 +2903,7 @@
         <p:nvSpPr>
           <p:cNvPr id="296962" name="Rectangle 2"/>
           <p:cNvSpPr>
-            <a:spLocks noChangeArrowheads="1"/>
+            <a:spLocks noGrp="1" noRot="1" noChangeAspect="1" noChangeArrowheads="1"/>
           </p:cNvSpPr>
           <p:nvPr>
             <p:ph type="sldImg"/>
@@ -2935,7 +2934,7 @@
         <p:nvSpPr>
           <p:cNvPr id="296963" name="Rectangle 3"/>
           <p:cNvSpPr>
-            <a:spLocks noChangeArrowheads="1"/>
+            <a:spLocks noGrp="1" noChangeArrowheads="1"/>
           </p:cNvSpPr>
           <p:nvPr>
             <p:ph type="body" idx="1"/>
@@ -3031,7 +3030,7 @@
         <p:nvSpPr>
           <p:cNvPr id="230402" name="Rectangle 2"/>
           <p:cNvSpPr>
-            <a:spLocks noChangeArrowheads="1" noTextEdit="1"/>
+            <a:spLocks noGrp="1" noRot="1" noChangeAspect="1" noChangeArrowheads="1" noTextEdit="1"/>
           </p:cNvSpPr>
           <p:nvPr>
             <p:ph type="sldImg"/>
@@ -3115,7 +3114,7 @@
         <p:nvSpPr>
           <p:cNvPr id="193538" name="Rectangle 2"/>
           <p:cNvSpPr>
-            <a:spLocks noChangeArrowheads="1" noTextEdit="1"/>
+            <a:spLocks noGrp="1" noRot="1" noChangeAspect="1" noChangeArrowheads="1" noTextEdit="1"/>
           </p:cNvSpPr>
           <p:nvPr>
             <p:ph type="sldImg"/>
@@ -3205,7 +3204,7 @@
         <p:nvSpPr>
           <p:cNvPr id="274434" name="Rectangle 2"/>
           <p:cNvSpPr>
-            <a:spLocks noChangeArrowheads="1"/>
+            <a:spLocks noGrp="1" noRot="1" noChangeAspect="1" noChangeArrowheads="1"/>
           </p:cNvSpPr>
           <p:nvPr>
             <p:ph type="sldImg"/>
@@ -3236,7 +3235,7 @@
         <p:nvSpPr>
           <p:cNvPr id="274435" name="Rectangle 3"/>
           <p:cNvSpPr>
-            <a:spLocks noChangeArrowheads="1"/>
+            <a:spLocks noGrp="1" noChangeArrowheads="1"/>
           </p:cNvSpPr>
           <p:nvPr>
             <p:ph type="body" idx="1"/>
@@ -3329,7 +3328,7 @@
         <p:nvSpPr>
           <p:cNvPr id="305154" name="Rectangle 2"/>
           <p:cNvSpPr>
-            <a:spLocks noChangeArrowheads="1"/>
+            <a:spLocks noGrp="1" noRot="1" noChangeAspect="1" noChangeArrowheads="1"/>
           </p:cNvSpPr>
           <p:nvPr>
             <p:ph type="sldImg"/>
@@ -3360,7 +3359,7 @@
         <p:nvSpPr>
           <p:cNvPr id="305155" name="Rectangle 3"/>
           <p:cNvSpPr>
-            <a:spLocks noChangeArrowheads="1"/>
+            <a:spLocks noGrp="1" noChangeArrowheads="1"/>
           </p:cNvSpPr>
           <p:nvPr>
             <p:ph type="body" idx="1"/>
@@ -3453,7 +3452,7 @@
         <p:nvSpPr>
           <p:cNvPr id="303106" name="Rectangle 2"/>
           <p:cNvSpPr>
-            <a:spLocks noChangeArrowheads="1"/>
+            <a:spLocks noGrp="1" noRot="1" noChangeAspect="1" noChangeArrowheads="1"/>
           </p:cNvSpPr>
           <p:nvPr>
             <p:ph type="sldImg"/>
@@ -3484,7 +3483,7 @@
         <p:nvSpPr>
           <p:cNvPr id="303107" name="Rectangle 3"/>
           <p:cNvSpPr>
-            <a:spLocks noChangeArrowheads="1"/>
+            <a:spLocks noGrp="1" noChangeArrowheads="1"/>
           </p:cNvSpPr>
           <p:nvPr>
             <p:ph type="body" idx="1"/>
@@ -3580,7 +3579,7 @@
         <p:nvSpPr>
           <p:cNvPr id="294914" name="Rectangle 2"/>
           <p:cNvSpPr>
-            <a:spLocks noChangeArrowheads="1"/>
+            <a:spLocks noGrp="1" noRot="1" noChangeAspect="1" noChangeArrowheads="1"/>
           </p:cNvSpPr>
           <p:nvPr>
             <p:ph type="sldImg"/>
@@ -3611,7 +3610,7 @@
         <p:nvSpPr>
           <p:cNvPr id="294915" name="Rectangle 3"/>
           <p:cNvSpPr>
-            <a:spLocks noChangeArrowheads="1"/>
+            <a:spLocks noGrp="1" noChangeArrowheads="1"/>
           </p:cNvSpPr>
           <p:nvPr>
             <p:ph type="body" idx="1"/>
@@ -3704,7 +3703,7 @@
         <p:nvSpPr>
           <p:cNvPr id="282626" name="Rectangle 2"/>
           <p:cNvSpPr>
-            <a:spLocks noChangeArrowheads="1"/>
+            <a:spLocks noGrp="1" noRot="1" noChangeAspect="1" noChangeArrowheads="1"/>
           </p:cNvSpPr>
           <p:nvPr>
             <p:ph type="sldImg"/>
@@ -3735,7 +3734,7 @@
         <p:nvSpPr>
           <p:cNvPr id="282627" name="Rectangle 3"/>
           <p:cNvSpPr>
-            <a:spLocks noChangeArrowheads="1"/>
+            <a:spLocks noGrp="1" noChangeArrowheads="1"/>
           </p:cNvSpPr>
           <p:nvPr>
             <p:ph type="body" idx="1"/>
@@ -3828,7 +3827,7 @@
         <p:nvSpPr>
           <p:cNvPr id="278530" name="Rectangle 2"/>
           <p:cNvSpPr>
-            <a:spLocks noChangeArrowheads="1"/>
+            <a:spLocks noGrp="1" noRot="1" noChangeAspect="1" noChangeArrowheads="1"/>
           </p:cNvSpPr>
           <p:nvPr>
             <p:ph type="sldImg"/>
@@ -3859,7 +3858,7 @@
         <p:nvSpPr>
           <p:cNvPr id="278531" name="Rectangle 3"/>
           <p:cNvSpPr>
-            <a:spLocks noChangeArrowheads="1"/>
+            <a:spLocks noGrp="1" noChangeArrowheads="1"/>
           </p:cNvSpPr>
           <p:nvPr>
             <p:ph type="body" idx="1"/>
@@ -3952,7 +3951,7 @@
         <p:nvSpPr>
           <p:cNvPr id="301058" name="Rectangle 2"/>
           <p:cNvSpPr>
-            <a:spLocks noChangeArrowheads="1" noTextEdit="1"/>
+            <a:spLocks noGrp="1" noRot="1" noChangeAspect="1" noChangeArrowheads="1" noTextEdit="1"/>
           </p:cNvSpPr>
           <p:nvPr>
             <p:ph type="sldImg"/>
@@ -4036,7 +4035,7 @@
         <p:nvSpPr>
           <p:cNvPr id="311298" name="Rectangle 2"/>
           <p:cNvSpPr>
-            <a:spLocks noChangeArrowheads="1"/>
+            <a:spLocks noGrp="1" noRot="1" noChangeAspect="1" noChangeArrowheads="1"/>
           </p:cNvSpPr>
           <p:nvPr>
             <p:ph type="sldImg"/>
@@ -4067,7 +4066,7 @@
         <p:nvSpPr>
           <p:cNvPr id="311299" name="Rectangle 3"/>
           <p:cNvSpPr>
-            <a:spLocks noChangeArrowheads="1"/>
+            <a:spLocks noGrp="1" noChangeArrowheads="1"/>
           </p:cNvSpPr>
           <p:nvPr>
             <p:ph type="body" idx="1"/>
@@ -4163,7 +4162,7 @@
         <p:nvSpPr>
           <p:cNvPr id="195586" name="Rectangle 2"/>
           <p:cNvSpPr>
-            <a:spLocks noChangeArrowheads="1" noTextEdit="1"/>
+            <a:spLocks noGrp="1" noRot="1" noChangeAspect="1" noChangeArrowheads="1" noTextEdit="1"/>
           </p:cNvSpPr>
           <p:nvPr>
             <p:ph type="sldImg"/>
@@ -4262,7 +4261,7 @@
         <p:nvSpPr>
           <p:cNvPr id="198658" name="Rectangle 2"/>
           <p:cNvSpPr>
-            <a:spLocks noChangeArrowheads="1" noTextEdit="1"/>
+            <a:spLocks noGrp="1" noRot="1" noChangeAspect="1" noChangeArrowheads="1" noTextEdit="1"/>
           </p:cNvSpPr>
           <p:nvPr>
             <p:ph type="sldImg"/>
@@ -4349,7 +4348,7 @@
         <p:nvSpPr>
           <p:cNvPr id="262146" name="Rectangle 1026"/>
           <p:cNvSpPr>
-            <a:spLocks noChangeArrowheads="1"/>
+            <a:spLocks noGrp="1" noRot="1" noChangeAspect="1" noChangeArrowheads="1"/>
           </p:cNvSpPr>
           <p:nvPr>
             <p:ph type="sldImg"/>
@@ -4380,7 +4379,7 @@
         <p:nvSpPr>
           <p:cNvPr id="262147" name="Rectangle 1027"/>
           <p:cNvSpPr>
-            <a:spLocks noChangeArrowheads="1"/>
+            <a:spLocks noGrp="1" noChangeArrowheads="1"/>
           </p:cNvSpPr>
           <p:nvPr>
             <p:ph type="body" idx="1"/>
@@ -4476,7 +4475,7 @@
         <p:nvSpPr>
           <p:cNvPr id="200706" name="Rectangle 2"/>
           <p:cNvSpPr>
-            <a:spLocks noChangeArrowheads="1" noTextEdit="1"/>
+            <a:spLocks noGrp="1" noRot="1" noChangeAspect="1" noChangeArrowheads="1" noTextEdit="1"/>
           </p:cNvSpPr>
           <p:nvPr>
             <p:ph type="sldImg"/>
@@ -4560,7 +4559,7 @@
         <p:nvSpPr>
           <p:cNvPr id="232450" name="Rectangle 2"/>
           <p:cNvSpPr>
-            <a:spLocks noChangeArrowheads="1"/>
+            <a:spLocks noGrp="1" noRot="1" noChangeAspect="1" noChangeArrowheads="1"/>
           </p:cNvSpPr>
           <p:nvPr>
             <p:ph type="sldImg"/>
@@ -4591,7 +4590,7 @@
         <p:nvSpPr>
           <p:cNvPr id="232451" name="Rectangle 3"/>
           <p:cNvSpPr>
-            <a:spLocks noChangeArrowheads="1"/>
+            <a:spLocks noGrp="1" noChangeArrowheads="1"/>
           </p:cNvSpPr>
           <p:nvPr>
             <p:ph type="body" idx="1"/>
@@ -4684,7 +4683,7 @@
         <p:nvSpPr>
           <p:cNvPr id="214018" name="Rectangle 2"/>
           <p:cNvSpPr>
-            <a:spLocks noChangeArrowheads="1" noTextEdit="1"/>
+            <a:spLocks noGrp="1" noRot="1" noChangeAspect="1" noChangeArrowheads="1" noTextEdit="1"/>
           </p:cNvSpPr>
           <p:nvPr>
             <p:ph type="sldImg"/>
@@ -17345,12 +17344,18 @@
           <a:lstStyle/>
           <a:p>
             <a:r>
-              <a:rPr lang="en-US" i="0">
-                <a:latin typeface="Times New Roman" charset="0"/>
-              </a:rPr>
-              <a:t>Packages.gz Lists Reporter Attributes</a:t>
-            </a:r>
-            <a:endParaRPr lang="en-US">
+              <a:rPr lang="en-US" i="0" dirty="0" err="1">
+                <a:latin typeface="Times New Roman" charset="0"/>
+              </a:rPr>
+              <a:t>Packages.gz</a:t>
+            </a:r>
+            <a:r>
+              <a:rPr lang="en-US" i="0" dirty="0">
+                <a:latin typeface="Times New Roman" charset="0"/>
+              </a:rPr>
+              <a:t> Lists Reporter Attributes</a:t>
+            </a:r>
+            <a:endParaRPr lang="en-US" dirty="0">
               <a:latin typeface="Times New Roman" charset="0"/>
             </a:endParaRPr>
           </a:p>
@@ -19176,6 +19181,13 @@
   <p:clrMapOvr>
     <a:masterClrMapping/>
   </p:clrMapOvr>
+  <p:timing>
+    <p:tnLst>
+      <p:par>
+        <p:cTn id="1" dur="indefinite" restart="never" nodeType="tmRoot"/>
+      </p:par>
+    </p:tnLst>
+  </p:timing>
 </p:sld>
 </file>
 
@@ -19566,6 +19578,13 @@
   <p:clrMapOvr>
     <a:masterClrMapping/>
   </p:clrMapOvr>
+  <p:timing>
+    <p:tnLst>
+      <p:par>
+        <p:cTn id="1" dur="indefinite" restart="never" nodeType="tmRoot"/>
+      </p:par>
+    </p:tnLst>
+  </p:timing>
 </p:sld>
 </file>
 
@@ -20982,6 +21001,13 @@
   <p:clrMapOvr>
     <a:masterClrMapping/>
   </p:clrMapOvr>
+  <p:timing>
+    <p:tnLst>
+      <p:par>
+        <p:cTn id="1" dur="indefinite" restart="never" nodeType="tmRoot"/>
+      </p:par>
+    </p:tnLst>
+  </p:timing>
 </p:sld>
 </file>
 
@@ -22309,7 +22335,7 @@
                         <a:tabLst/>
                       </a:pPr>
                       <a:r>
-                        <a:rPr kumimoji="0" lang="en-US" sz="2400" b="0" i="0" u="none" strike="noStrike" cap="none" normalizeH="0" baseline="0">
+                        <a:rPr kumimoji="0" lang="en-US" sz="2400" b="0" i="0" u="none" strike="noStrike" cap="none" normalizeH="0" baseline="0" dirty="0">
                           <a:ln>
                             <a:noFill/>
                           </a:ln>
@@ -22319,8 +22345,31 @@
                           <a:effectLst/>
                           <a:latin typeface="Times New Roman" charset="0"/>
                         </a:rPr>
-                        <a:t>Hands-on: Inca deployment (part 1)</a:t>
+                        <a:t>Hands-on: Inca </a:t>
                       </a:r>
+                      <a:r>
+                        <a:rPr kumimoji="0" lang="en-US" sz="2400" b="0" i="0" u="none" strike="noStrike" cap="none" normalizeH="0" baseline="0" dirty="0" smtClean="0">
+                          <a:ln>
+                            <a:noFill/>
+                          </a:ln>
+                          <a:solidFill>
+                            <a:schemeClr val="tx1"/>
+                          </a:solidFill>
+                          <a:effectLst/>
+                          <a:latin typeface="Times New Roman" charset="0"/>
+                        </a:rPr>
+                        <a:t>deployment</a:t>
+                      </a:r>
+                      <a:endParaRPr kumimoji="0" lang="en-US" sz="2400" b="0" i="0" u="none" strike="noStrike" cap="none" normalizeH="0" baseline="0" dirty="0">
+                        <a:ln>
+                          <a:noFill/>
+                        </a:ln>
+                        <a:solidFill>
+                          <a:schemeClr val="tx1"/>
+                        </a:solidFill>
+                        <a:effectLst/>
+                        <a:latin typeface="Times New Roman" charset="0"/>
+                      </a:endParaRPr>
                     </a:p>
                   </a:txBody>
                   <a:tcPr horzOverflow="overflow">
@@ -22389,86 +22438,6 @@
 </p:sld>
 </file>
 
-<file path=ppt/slides/slide41.xml><?xml version="1.0" encoding="utf-8"?>
-<p:sld xmlns:a="http://schemas.openxmlformats.org/drawingml/2006/main" xmlns:r="http://schemas.openxmlformats.org/officeDocument/2006/relationships" xmlns:mc="http://schemas.openxmlformats.org/markup-compatibility/2006" xmlns:mv="urn:schemas-microsoft-com:mac:vml" xmlns:p="http://schemas.openxmlformats.org/presentationml/2006/main" mc:Ignorable="mv" mc:PreserveAttributes="mv:*">
-  <p:cSld>
-    <p:spTree>
-      <p:nvGrpSpPr>
-        <p:cNvPr id="1" name=""/>
-        <p:cNvGrpSpPr/>
-        <p:nvPr/>
-      </p:nvGrpSpPr>
-      <p:grpSpPr>
-        <a:xfrm>
-          <a:off x="0" y="0"/>
-          <a:ext cx="0" cy="0"/>
-          <a:chOff x="0" y="0"/>
-          <a:chExt cx="0" cy="0"/>
-        </a:xfrm>
-      </p:grpSpPr>
-      <p:sp>
-        <p:nvSpPr>
-          <p:cNvPr id="312322" name="Rectangle 2"/>
-          <p:cNvSpPr>
-            <a:spLocks noGrp="1" noChangeArrowheads="1"/>
-          </p:cNvSpPr>
-          <p:nvPr>
-            <p:ph type="title"/>
-          </p:nvPr>
-        </p:nvSpPr>
-        <p:spPr/>
-        <p:txBody>
-          <a:bodyPr/>
-          <a:lstStyle/>
-          <a:p>
-            <a:r>
-              <a:rPr lang="en-US" i="0" dirty="0" smtClean="0">
-                <a:latin typeface="Times New Roman" charset="0"/>
-              </a:rPr>
-              <a:t>Onto the </a:t>
-            </a:r>
-            <a:r>
-              <a:rPr lang="en-US" i="0" dirty="0">
-                <a:latin typeface="Times New Roman" charset="0"/>
-              </a:rPr>
-              <a:t>Tutorial …</a:t>
-            </a:r>
-          </a:p>
-        </p:txBody>
-      </p:sp>
-      <p:sp>
-        <p:nvSpPr>
-          <p:cNvPr id="312323" name="Rectangle 3"/>
-          <p:cNvSpPr>
-            <a:spLocks noGrp="1" noChangeArrowheads="1"/>
-          </p:cNvSpPr>
-          <p:nvPr>
-            <p:ph type="body" idx="1"/>
-          </p:nvPr>
-        </p:nvSpPr>
-        <p:spPr/>
-        <p:txBody>
-          <a:bodyPr/>
-          <a:lstStyle/>
-          <a:p>
-            <a:pPr>
-              <a:buFontTx/>
-              <a:buNone/>
-            </a:pPr>
-            <a:endParaRPr lang="en-US" b="0" dirty="0">
-              <a:latin typeface="Times New Roman" charset="0"/>
-            </a:endParaRPr>
-          </a:p>
-        </p:txBody>
-      </p:sp>
-    </p:spTree>
-  </p:cSld>
-  <p:clrMapOvr>
-    <a:masterClrMapping/>
-  </p:clrMapOvr>
-</p:sld>
-</file>
-
 <file path=ppt/slides/slide5.xml><?xml version="1.0" encoding="utf-8"?>
 <p:sld xmlns:a="http://schemas.openxmlformats.org/drawingml/2006/main" xmlns:r="http://schemas.openxmlformats.org/officeDocument/2006/relationships" xmlns:mc="http://schemas.openxmlformats.org/markup-compatibility/2006" xmlns:mv="urn:schemas-microsoft-com:mac:vml" xmlns:p="http://schemas.openxmlformats.org/presentationml/2006/main" mc:Ignorable="mv" mc:PreserveAttributes="mv:*" showMasterSp="0">
   <p:cSld>
@@ -22510,156 +22479,6 @@
           </a:prstGeom>
         </p:spPr>
       </p:pic>
-      <p:grpSp>
-        <p:nvGrpSpPr>
-          <p:cNvPr id="197658" name="Group 26"/>
-          <p:cNvGrpSpPr>
-            <a:grpSpLocks/>
-          </p:cNvGrpSpPr>
-          <p:nvPr/>
-        </p:nvGrpSpPr>
-        <p:grpSpPr bwMode="auto">
-          <a:xfrm>
-            <a:off x="381000" y="3733803"/>
-            <a:ext cx="8415338" cy="1597026"/>
-            <a:chOff x="240" y="2352"/>
-            <a:chExt cx="5301" cy="1006"/>
-          </a:xfrm>
-        </p:grpSpPr>
-        <p:sp>
-          <p:nvSpPr>
-            <p:cNvPr id="197648" name="Rectangle 16"/>
-            <p:cNvSpPr>
-              <a:spLocks noChangeArrowheads="1"/>
-            </p:cNvSpPr>
-            <p:nvPr/>
-          </p:nvSpPr>
-          <p:spPr bwMode="auto">
-            <a:xfrm>
-              <a:off x="240" y="2352"/>
-              <a:ext cx="2039" cy="642"/>
-            </a:xfrm>
-            <a:prstGeom prst="rect">
-              <a:avLst/>
-            </a:prstGeom>
-            <a:solidFill>
-              <a:srgbClr val="FF0000">
-                <a:alpha val="14999"/>
-              </a:srgbClr>
-            </a:solidFill>
-            <a:ln w="9525">
-              <a:solidFill>
-                <a:srgbClr val="2B6EF6"/>
-              </a:solidFill>
-              <a:miter lim="800000"/>
-              <a:headEnd/>
-              <a:tailEnd/>
-            </a:ln>
-          </p:spPr>
-          <p:txBody>
-            <a:bodyPr wrap="none" anchor="ctr">
-              <a:prstTxWarp prst="textNoShape">
-                <a:avLst/>
-              </a:prstTxWarp>
-            </a:bodyPr>
-            <a:lstStyle/>
-            <a:p>
-              <a:endParaRPr lang="en-US"/>
-            </a:p>
-          </p:txBody>
-        </p:sp>
-        <p:sp>
-          <p:nvSpPr>
-            <p:cNvPr id="197649" name="Text Box 17"/>
-            <p:cNvSpPr txBox="1">
-              <a:spLocks noChangeArrowheads="1"/>
-            </p:cNvSpPr>
-            <p:nvPr/>
-          </p:nvSpPr>
-          <p:spPr bwMode="auto">
-            <a:xfrm>
-              <a:off x="2901" y="3037"/>
-              <a:ext cx="2640" cy="237"/>
-            </a:xfrm>
-            <a:prstGeom prst="rect">
-              <a:avLst/>
-            </a:prstGeom>
-            <a:solidFill>
-              <a:srgbClr val="2B6EF6">
-                <a:alpha val="14999"/>
-              </a:srgbClr>
-            </a:solidFill>
-            <a:ln w="9525">
-              <a:solidFill>
-                <a:srgbClr val="2B6EF6"/>
-              </a:solidFill>
-              <a:miter lim="800000"/>
-              <a:headEnd/>
-              <a:tailEnd/>
-            </a:ln>
-          </p:spPr>
-          <p:txBody>
-            <a:bodyPr>
-              <a:prstTxWarp prst="textNoShape">
-                <a:avLst/>
-              </a:prstTxWarp>
-              <a:spAutoFit/>
-            </a:bodyPr>
-            <a:lstStyle/>
-            <a:p>
-              <a:pPr>
-                <a:spcBef>
-                  <a:spcPct val="50000"/>
-                </a:spcBef>
-              </a:pPr>
-              <a:r>
-                <a:rPr lang="en-US" sz="1800" dirty="0">
-                  <a:latin typeface="Times New Roman" charset="0"/>
-                </a:rPr>
-                <a:t>Well-formed XML; otherwise unrestricted</a:t>
-              </a:r>
-            </a:p>
-          </p:txBody>
-        </p:sp>
-        <p:sp>
-          <p:nvSpPr>
-            <p:cNvPr id="197650" name="Line 18"/>
-            <p:cNvSpPr>
-              <a:spLocks noChangeShapeType="1"/>
-            </p:cNvSpPr>
-            <p:nvPr/>
-          </p:nvSpPr>
-          <p:spPr bwMode="auto">
-            <a:xfrm flipV="1">
-              <a:off x="2666" y="3164"/>
-              <a:ext cx="230" cy="194"/>
-            </a:xfrm>
-            <a:prstGeom prst="line">
-              <a:avLst/>
-            </a:prstGeom>
-            <a:noFill/>
-            <a:ln w="9525">
-              <a:solidFill>
-                <a:schemeClr val="tx1"/>
-              </a:solidFill>
-              <a:round/>
-              <a:headEnd type="stealth" w="lg" len="lg"/>
-              <a:tailEnd/>
-            </a:ln>
-          </p:spPr>
-          <p:txBody>
-            <a:bodyPr wrap="none" anchor="ctr">
-              <a:prstTxWarp prst="textNoShape">
-                <a:avLst/>
-              </a:prstTxWarp>
-            </a:bodyPr>
-            <a:lstStyle/>
-            <a:p>
-              <a:endParaRPr lang="en-US"/>
-            </a:p>
-          </p:txBody>
-        </p:sp>
-      </p:grpSp>
       <p:sp>
         <p:nvSpPr>
           <p:cNvPr id="197634" name="Rectangle 2"/>
@@ -22844,20 +22663,166 @@
       </p:grpSp>
       <p:grpSp>
         <p:nvGrpSpPr>
-          <p:cNvPr id="197657" name="Group 25"/>
-          <p:cNvGrpSpPr>
-            <a:grpSpLocks/>
-          </p:cNvGrpSpPr>
+          <p:cNvPr id="24" name="Group 23"/>
+          <p:cNvGrpSpPr/>
           <p:nvPr/>
         </p:nvGrpSpPr>
-        <p:grpSpPr bwMode="auto">
+        <p:grpSpPr>
           <a:xfrm>
-            <a:off x="3577778" y="3979862"/>
-            <a:ext cx="3873501" cy="376238"/>
-            <a:chOff x="2181" y="2507"/>
-            <a:chExt cx="2440" cy="237"/>
+            <a:off x="4232275" y="4821241"/>
+            <a:ext cx="4564063" cy="509588"/>
+            <a:chOff x="4232275" y="4821241"/>
+            <a:chExt cx="4564063" cy="509588"/>
           </a:xfrm>
         </p:grpSpPr>
+        <p:sp>
+          <p:nvSpPr>
+            <p:cNvPr id="197649" name="Text Box 17"/>
+            <p:cNvSpPr txBox="1">
+              <a:spLocks noChangeArrowheads="1"/>
+            </p:cNvSpPr>
+            <p:nvPr/>
+          </p:nvSpPr>
+          <p:spPr bwMode="auto">
+            <a:xfrm>
+              <a:off x="4605338" y="4821241"/>
+              <a:ext cx="4191000" cy="376238"/>
+            </a:xfrm>
+            <a:prstGeom prst="rect">
+              <a:avLst/>
+            </a:prstGeom>
+            <a:solidFill>
+              <a:srgbClr val="2B6EF6">
+                <a:alpha val="14999"/>
+              </a:srgbClr>
+            </a:solidFill>
+            <a:ln w="9525">
+              <a:solidFill>
+                <a:srgbClr val="2B6EF6"/>
+              </a:solidFill>
+              <a:miter lim="800000"/>
+              <a:headEnd/>
+              <a:tailEnd/>
+            </a:ln>
+          </p:spPr>
+          <p:txBody>
+            <a:bodyPr>
+              <a:prstTxWarp prst="textNoShape">
+                <a:avLst/>
+              </a:prstTxWarp>
+              <a:spAutoFit/>
+            </a:bodyPr>
+            <a:lstStyle/>
+            <a:p>
+              <a:pPr>
+                <a:spcBef>
+                  <a:spcPct val="50000"/>
+                </a:spcBef>
+              </a:pPr>
+              <a:r>
+                <a:rPr lang="en-US" sz="1800" dirty="0">
+                  <a:latin typeface="Times New Roman" charset="0"/>
+                </a:rPr>
+                <a:t>Well-formed XML; otherwise unrestricted</a:t>
+              </a:r>
+            </a:p>
+          </p:txBody>
+        </p:sp>
+        <p:sp>
+          <p:nvSpPr>
+            <p:cNvPr id="197650" name="Line 18"/>
+            <p:cNvSpPr>
+              <a:spLocks noChangeShapeType="1"/>
+            </p:cNvSpPr>
+            <p:nvPr/>
+          </p:nvSpPr>
+          <p:spPr bwMode="auto">
+            <a:xfrm flipV="1">
+              <a:off x="4232275" y="5022854"/>
+              <a:ext cx="365125" cy="307975"/>
+            </a:xfrm>
+            <a:prstGeom prst="line">
+              <a:avLst/>
+            </a:prstGeom>
+            <a:noFill/>
+            <a:ln w="9525">
+              <a:solidFill>
+                <a:schemeClr val="tx1"/>
+              </a:solidFill>
+              <a:round/>
+              <a:headEnd type="stealth" w="lg" len="lg"/>
+              <a:tailEnd/>
+            </a:ln>
+          </p:spPr>
+          <p:txBody>
+            <a:bodyPr wrap="none" anchor="ctr">
+              <a:prstTxWarp prst="textNoShape">
+                <a:avLst/>
+              </a:prstTxWarp>
+            </a:bodyPr>
+            <a:lstStyle/>
+            <a:p>
+              <a:endParaRPr lang="en-US"/>
+            </a:p>
+          </p:txBody>
+        </p:sp>
+      </p:grpSp>
+      <p:grpSp>
+        <p:nvGrpSpPr>
+          <p:cNvPr id="23" name="Group 22"/>
+          <p:cNvGrpSpPr/>
+          <p:nvPr/>
+        </p:nvGrpSpPr>
+        <p:grpSpPr>
+          <a:xfrm>
+            <a:off x="381000" y="3733803"/>
+            <a:ext cx="7070279" cy="1019176"/>
+            <a:chOff x="381000" y="3733803"/>
+            <a:chExt cx="7070279" cy="1019176"/>
+          </a:xfrm>
+        </p:grpSpPr>
+        <p:sp>
+          <p:nvSpPr>
+            <p:cNvPr id="197648" name="Rectangle 16"/>
+            <p:cNvSpPr>
+              <a:spLocks noChangeArrowheads="1"/>
+            </p:cNvSpPr>
+            <p:nvPr/>
+          </p:nvSpPr>
+          <p:spPr bwMode="auto">
+            <a:xfrm>
+              <a:off x="381000" y="3733803"/>
+              <a:ext cx="3236913" cy="1019176"/>
+            </a:xfrm>
+            <a:prstGeom prst="rect">
+              <a:avLst/>
+            </a:prstGeom>
+            <a:solidFill>
+              <a:srgbClr val="FF0000">
+                <a:alpha val="14999"/>
+              </a:srgbClr>
+            </a:solidFill>
+            <a:ln w="9525">
+              <a:solidFill>
+                <a:srgbClr val="2B6EF6"/>
+              </a:solidFill>
+              <a:miter lim="800000"/>
+              <a:headEnd/>
+              <a:tailEnd/>
+            </a:ln>
+          </p:spPr>
+          <p:txBody>
+            <a:bodyPr wrap="none" anchor="ctr">
+              <a:prstTxWarp prst="textNoShape">
+                <a:avLst/>
+              </a:prstTxWarp>
+            </a:bodyPr>
+            <a:lstStyle/>
+            <a:p>
+              <a:endParaRPr lang="en-US"/>
+            </a:p>
+          </p:txBody>
+        </p:sp>
         <p:sp>
           <p:nvSpPr>
             <p:cNvPr id="197651" name="Text Box 19"/>
@@ -22868,8 +22833,8 @@
           </p:nvSpPr>
           <p:spPr bwMode="auto">
             <a:xfrm>
-              <a:off x="3325" y="2507"/>
-              <a:ext cx="1296" cy="237"/>
+              <a:off x="5393878" y="3979862"/>
+              <a:ext cx="2057401" cy="376238"/>
             </a:xfrm>
             <a:prstGeom prst="rect">
               <a:avLst/>
@@ -22921,8 +22886,8 @@
           </p:nvSpPr>
           <p:spPr bwMode="auto">
             <a:xfrm flipH="1" flipV="1">
-              <a:off x="2181" y="2655"/>
-              <a:ext cx="1139" cy="0"/>
+              <a:off x="3577778" y="4214812"/>
+              <a:ext cx="1808163" cy="0"/>
             </a:xfrm>
             <a:prstGeom prst="line">
               <a:avLst/>
@@ -23217,7 +23182,7 @@
                                           </p:stCondLst>
                                         </p:cTn>
                                         <p:tgtEl>
-                                          <p:spTgt spid="197647"/>
+                                          <p:spTgt spid="24"/>
                                         </p:tgtEl>
                                         <p:attrNameLst>
                                           <p:attrName>style.visibility</p:attrName>
@@ -23262,7 +23227,7 @@
                                           </p:stCondLst>
                                         </p:cTn>
                                         <p:tgtEl>
-                                          <p:spTgt spid="197647"/>
+                                          <p:spTgt spid="24"/>
                                         </p:tgtEl>
                                         <p:attrNameLst>
                                           <p:attrName>style.visibility</p:attrName>
@@ -23275,21 +23240,39 @@
                                   </p:childTnLst>
                                 </p:cTn>
                               </p:par>
+                            </p:childTnLst>
+                          </p:cTn>
+                        </p:par>
+                      </p:childTnLst>
+                    </p:cTn>
+                  </p:par>
+                  <p:par>
+                    <p:cTn id="11" fill="hold">
+                      <p:stCondLst>
+                        <p:cond delay="indefinite"/>
+                      </p:stCondLst>
+                      <p:childTnLst>
+                        <p:par>
+                          <p:cTn id="12" fill="hold">
+                            <p:stCondLst>
+                              <p:cond delay="0"/>
+                            </p:stCondLst>
+                            <p:childTnLst>
                               <p:par>
-                                <p:cTn id="11" presetID="1" presetClass="entr" presetSubtype="0" fill="hold" nodeType="withEffect">
+                                <p:cTn id="13" presetID="1" presetClass="entr" presetSubtype="0" fill="hold" nodeType="clickEffect">
                                   <p:stCondLst>
                                     <p:cond delay="0"/>
                                   </p:stCondLst>
                                   <p:childTnLst>
                                     <p:set>
                                       <p:cBhvr>
-                                        <p:cTn id="12" dur="1" fill="hold">
+                                        <p:cTn id="14" dur="1" fill="hold">
                                           <p:stCondLst>
                                             <p:cond delay="0"/>
                                           </p:stCondLst>
                                         </p:cTn>
                                         <p:tgtEl>
-                                          <p:spTgt spid="197658"/>
+                                          <p:spTgt spid="197647"/>
                                         </p:tgtEl>
                                         <p:attrNameLst>
                                           <p:attrName>style.visibility</p:attrName>
@@ -23309,32 +23292,32 @@
                     </p:cTn>
                   </p:par>
                   <p:par>
-                    <p:cTn id="13" fill="hold">
+                    <p:cTn id="15" fill="hold">
                       <p:stCondLst>
                         <p:cond delay="indefinite"/>
                       </p:stCondLst>
                       <p:childTnLst>
                         <p:par>
-                          <p:cTn id="14" fill="hold">
+                          <p:cTn id="16" fill="hold">
                             <p:stCondLst>
                               <p:cond delay="0"/>
                             </p:stCondLst>
                             <p:childTnLst>
                               <p:par>
-                                <p:cTn id="15" presetID="1" presetClass="exit" presetSubtype="0" fill="hold" nodeType="clickEffect">
+                                <p:cTn id="17" presetID="1" presetClass="exit" presetSubtype="0" fill="hold" nodeType="clickEffect">
                                   <p:stCondLst>
                                     <p:cond delay="0"/>
                                   </p:stCondLst>
                                   <p:childTnLst>
                                     <p:set>
                                       <p:cBhvr>
-                                        <p:cTn id="16" dur="1" fill="hold">
+                                        <p:cTn id="18" dur="1" fill="hold">
                                           <p:stCondLst>
                                             <p:cond delay="0"/>
                                           </p:stCondLst>
                                         </p:cTn>
                                         <p:tgtEl>
-                                          <p:spTgt spid="197658"/>
+                                          <p:spTgt spid="197647"/>
                                         </p:tgtEl>
                                         <p:attrNameLst>
                                           <p:attrName>style.visibility</p:attrName>
@@ -23348,14 +23331,14 @@
                                 </p:cTn>
                               </p:par>
                               <p:par>
-                                <p:cTn id="17" presetID="1" presetClass="entr" presetSubtype="0" fill="hold" nodeType="withEffect">
+                                <p:cTn id="19" presetID="1" presetClass="entr" presetSubtype="0" fill="hold" nodeType="withEffect">
                                   <p:stCondLst>
                                     <p:cond delay="0"/>
                                   </p:stCondLst>
                                   <p:childTnLst>
                                     <p:set>
                                       <p:cBhvr>
-                                        <p:cTn id="18" dur="1" fill="hold">
+                                        <p:cTn id="20" dur="1" fill="hold">
                                           <p:stCondLst>
                                             <p:cond delay="0"/>
                                           </p:stCondLst>
@@ -23381,26 +23364,26 @@
                     </p:cTn>
                   </p:par>
                   <p:par>
-                    <p:cTn id="19" fill="hold">
+                    <p:cTn id="21" fill="hold">
                       <p:stCondLst>
                         <p:cond delay="indefinite"/>
                       </p:stCondLst>
                       <p:childTnLst>
                         <p:par>
-                          <p:cTn id="20" fill="hold">
+                          <p:cTn id="22" fill="hold">
                             <p:stCondLst>
                               <p:cond delay="0"/>
                             </p:stCondLst>
                             <p:childTnLst>
                               <p:par>
-                                <p:cTn id="21" presetID="1" presetClass="exit" presetSubtype="0" fill="hold" nodeType="clickEffect">
+                                <p:cTn id="23" presetID="1" presetClass="exit" presetSubtype="0" fill="hold" nodeType="clickEffect">
                                   <p:stCondLst>
                                     <p:cond delay="0"/>
                                   </p:stCondLst>
                                   <p:childTnLst>
                                     <p:set>
                                       <p:cBhvr>
-                                        <p:cTn id="22" dur="1" fill="hold">
+                                        <p:cTn id="24" dur="1" fill="hold">
                                           <p:stCondLst>
                                             <p:cond delay="0"/>
                                           </p:stCondLst>
@@ -23414,33 +23397,6 @@
                                       </p:cBhvr>
                                       <p:to>
                                         <p:strVal val="hidden"/>
-                                      </p:to>
-                                    </p:set>
-                                  </p:childTnLst>
-                                </p:cTn>
-                              </p:par>
-                              <p:par>
-                                <p:cTn id="23" presetID="1" presetClass="entr" presetSubtype="0" fill="hold" nodeType="withEffect">
-                                  <p:stCondLst>
-                                    <p:cond delay="0"/>
-                                  </p:stCondLst>
-                                  <p:childTnLst>
-                                    <p:set>
-                                      <p:cBhvr>
-                                        <p:cTn id="24" dur="1" fill="hold">
-                                          <p:stCondLst>
-                                            <p:cond delay="0"/>
-                                          </p:stCondLst>
-                                        </p:cTn>
-                                        <p:tgtEl>
-                                          <p:spTgt spid="197657"/>
-                                        </p:tgtEl>
-                                        <p:attrNameLst>
-                                          <p:attrName>style.visibility</p:attrName>
-                                        </p:attrNameLst>
-                                      </p:cBhvr>
-                                      <p:to>
-                                        <p:strVal val="visible"/>
                                       </p:to>
                                     </p:set>
                                   </p:childTnLst>
@@ -23465,7 +23421,7 @@
                             </p:stCondLst>
                             <p:childTnLst>
                               <p:par>
-                                <p:cTn id="27" presetID="1" presetClass="exit" presetSubtype="0" fill="hold" nodeType="clickEffect">
+                                <p:cTn id="27" presetID="1" presetClass="entr" presetSubtype="0" fill="hold" nodeType="clickEffect">
                                   <p:stCondLst>
                                     <p:cond delay="0"/>
                                   </p:stCondLst>
@@ -23478,7 +23434,52 @@
                                           </p:stCondLst>
                                         </p:cTn>
                                         <p:tgtEl>
-                                          <p:spTgt spid="197657"/>
+                                          <p:spTgt spid="23"/>
+                                        </p:tgtEl>
+                                        <p:attrNameLst>
+                                          <p:attrName>style.visibility</p:attrName>
+                                        </p:attrNameLst>
+                                      </p:cBhvr>
+                                      <p:to>
+                                        <p:strVal val="visible"/>
+                                      </p:to>
+                                    </p:set>
+                                  </p:childTnLst>
+                                </p:cTn>
+                              </p:par>
+                            </p:childTnLst>
+                          </p:cTn>
+                        </p:par>
+                      </p:childTnLst>
+                    </p:cTn>
+                  </p:par>
+                  <p:par>
+                    <p:cTn id="29" fill="hold">
+                      <p:stCondLst>
+                        <p:cond delay="indefinite"/>
+                      </p:stCondLst>
+                      <p:childTnLst>
+                        <p:par>
+                          <p:cTn id="30" fill="hold">
+                            <p:stCondLst>
+                              <p:cond delay="0"/>
+                            </p:stCondLst>
+                            <p:childTnLst>
+                              <p:par>
+                                <p:cTn id="31" presetID="1" presetClass="exit" presetSubtype="0" fill="hold" nodeType="clickEffect">
+                                  <p:stCondLst>
+                                    <p:cond delay="0"/>
+                                  </p:stCondLst>
+                                  <p:childTnLst>
+                                    <p:set>
+                                      <p:cBhvr>
+                                        <p:cTn id="32" dur="1" fill="hold">
+                                          <p:stCondLst>
+                                            <p:cond delay="0"/>
+                                          </p:stCondLst>
+                                        </p:cTn>
+                                        <p:tgtEl>
+                                          <p:spTgt spid="23"/>
                                         </p:tgtEl>
                                         <p:attrNameLst>
                                           <p:attrName>style.visibility</p:attrName>
@@ -23492,14 +23493,14 @@
                                 </p:cTn>
                               </p:par>
                               <p:par>
-                                <p:cTn id="29" presetID="1" presetClass="entr" presetSubtype="0" fill="hold" nodeType="withEffect">
+                                <p:cTn id="33" presetID="1" presetClass="entr" presetSubtype="0" fill="hold" nodeType="withEffect">
                                   <p:stCondLst>
                                     <p:cond delay="0"/>
                                   </p:stCondLst>
                                   <p:childTnLst>
                                     <p:set>
                                       <p:cBhvr>
-                                        <p:cTn id="30" dur="1" fill="hold">
+                                        <p:cTn id="34" dur="1" fill="hold">
                                           <p:stCondLst>
                                             <p:cond delay="0"/>
                                           </p:stCondLst>
